--- a/Presentations/ML Regression - Categorical Variables.pptx
+++ b/Presentations/ML Regression - Categorical Variables.pptx
@@ -3490,17 +3490,7 @@
                   </a:schemeClr>
                 </a:solidFill>
               </a:rPr>
-              <a:t>All the features </a:t>
-            </a:r>
-            <a:r>
-              <a:rPr lang="en-US" sz="2800" b="1" dirty="0" smtClean="0">
-                <a:solidFill>
-                  <a:schemeClr val="accent5">
-                    <a:lumMod val="75000"/>
-                  </a:schemeClr>
-                </a:solidFill>
-              </a:rPr>
-              <a:t>(independent variables) need to be a</a:t>
+              <a:t>All the features (independent variables) need to be a</a:t>
             </a:r>
           </a:p>
           <a:p>
@@ -5564,7 +5554,17 @@
                   </a:schemeClr>
                 </a:solidFill>
               </a:rPr>
-              <a:t>Dummy Variable Trap</a:t>
+              <a:t>Drop one of </a:t>
+            </a:r>
+            <a:r>
+              <a:rPr lang="en-US" smtClean="0">
+                <a:solidFill>
+                  <a:schemeClr val="accent1">
+                    <a:lumMod val="75000"/>
+                  </a:schemeClr>
+                </a:solidFill>
+              </a:rPr>
+              <a:t>Dummy Variables</a:t>
             </a:r>
             <a:endParaRPr lang="en-US" dirty="0">
               <a:solidFill>
